--- a/Proposal/2017.06.21-ProposalPresentation.pptx
+++ b/Proposal/2017.06.21-ProposalPresentation.pptx
@@ -136,7 +136,7 @@
   </p:defaultTextStyle>
   <p:extLst>
     <p:ext uri="{EFAFB233-063F-42B5-8137-9DF3F51BA10A}">
-      <p15:sldGuideLst xmlns:p15="http://schemas.microsoft.com/office/powerpoint/2012/main">
+      <p15:sldGuideLst xmlns="" xmlns:p15="http://schemas.microsoft.com/office/powerpoint/2012/main">
         <p15:guide id="1" orient="horz" pos="2160">
           <p15:clr>
             <a:srgbClr val="A4A3A4"/>
@@ -235,7 +235,7 @@
           <a:p>
             <a:fld id="{BE054C78-2090-C64C-9F6A-B51B239D54AE}" type="datetimeFigureOut">
               <a:rPr lang="en-US" smtClean="0"/>
-              <a:t>6/20/17</a:t>
+              <a:t>17-06-21</a:t>
             </a:fld>
             <a:endParaRPr lang="en-US"/>
           </a:p>
@@ -650,6 +650,106 @@
           <a:bodyPr/>
           <a:lstStyle/>
           <a:p>
+            <a:r>
+              <a:rPr lang="en-US" dirty="0" smtClean="0"/>
+              <a:t>Familiar music,</a:t>
+            </a:r>
+            <a:r>
+              <a:rPr lang="en-US" baseline="0" dirty="0" smtClean="0"/>
+              <a:t> emotionally charge music, music that is relevant to the participant </a:t>
+            </a:r>
+            <a:r>
+              <a:rPr lang="mr-IN" baseline="0" dirty="0" smtClean="0"/>
+              <a:t>–</a:t>
+            </a:r>
+            <a:r>
+              <a:rPr lang="en-US" baseline="0" dirty="0" smtClean="0"/>
+              <a:t> may produce stronger activation </a:t>
+            </a:r>
+            <a:endParaRPr lang="en-US" dirty="0"/>
+          </a:p>
+        </p:txBody>
+      </p:sp>
+      <p:sp>
+        <p:nvSpPr>
+          <p:cNvPr id="4" name="Slide Number Placeholder 3"/>
+          <p:cNvSpPr>
+            <a:spLocks noGrp="1"/>
+          </p:cNvSpPr>
+          <p:nvPr>
+            <p:ph type="sldNum" sz="quarter" idx="10"/>
+          </p:nvPr>
+        </p:nvSpPr>
+        <p:spPr/>
+        <p:txBody>
+          <a:bodyPr/>
+          <a:lstStyle/>
+          <a:p>
+            <a:fld id="{BA0C90E3-8C05-AF43-8579-8D2D04A296B0}" type="slidenum">
+              <a:rPr lang="en-US" smtClean="0"/>
+              <a:t>21</a:t>
+            </a:fld>
+            <a:endParaRPr lang="en-US"/>
+          </a:p>
+        </p:txBody>
+      </p:sp>
+    </p:spTree>
+    <p:extLst>
+      <p:ext uri="{BB962C8B-B14F-4D97-AF65-F5344CB8AC3E}">
+        <p14:creationId xmlns:p14="http://schemas.microsoft.com/office/powerpoint/2010/main" val="262777634"/>
+      </p:ext>
+    </p:extLst>
+  </p:cSld>
+  <p:clrMapOvr>
+    <a:masterClrMapping/>
+  </p:clrMapOvr>
+</p:notes>
+</file>
+
+<file path=ppt/notesSlides/notesSlide11.xml><?xml version="1.0" encoding="utf-8"?>
+<p:notes xmlns:a="http://schemas.openxmlformats.org/drawingml/2006/main" xmlns:r="http://schemas.openxmlformats.org/officeDocument/2006/relationships" xmlns:p="http://schemas.openxmlformats.org/presentationml/2006/main">
+  <p:cSld>
+    <p:spTree>
+      <p:nvGrpSpPr>
+        <p:cNvPr id="1" name=""/>
+        <p:cNvGrpSpPr/>
+        <p:nvPr/>
+      </p:nvGrpSpPr>
+      <p:grpSpPr>
+        <a:xfrm>
+          <a:off x="0" y="0"/>
+          <a:ext cx="0" cy="0"/>
+          <a:chOff x="0" y="0"/>
+          <a:chExt cx="0" cy="0"/>
+        </a:xfrm>
+      </p:grpSpPr>
+      <p:sp>
+        <p:nvSpPr>
+          <p:cNvPr id="2" name="Slide Image Placeholder 1"/>
+          <p:cNvSpPr>
+            <a:spLocks noGrp="1" noRot="1" noChangeAspect="1"/>
+          </p:cNvSpPr>
+          <p:nvPr>
+            <p:ph type="sldImg"/>
+          </p:nvPr>
+        </p:nvSpPr>
+        <p:spPr/>
+      </p:sp>
+      <p:sp>
+        <p:nvSpPr>
+          <p:cNvPr id="3" name="Notes Placeholder 2"/>
+          <p:cNvSpPr>
+            <a:spLocks noGrp="1"/>
+          </p:cNvSpPr>
+          <p:nvPr>
+            <p:ph type="body" idx="1"/>
+          </p:nvPr>
+        </p:nvSpPr>
+        <p:spPr/>
+        <p:txBody>
+          <a:bodyPr/>
+          <a:lstStyle/>
+          <a:p>
             <a:endParaRPr lang="en-US" dirty="0"/>
           </a:p>
         </p:txBody>
@@ -690,7 +790,7 @@
 </p:notes>
 </file>
 
-<file path=ppt/notesSlides/notesSlide11.xml><?xml version="1.0" encoding="utf-8"?>
+<file path=ppt/notesSlides/notesSlide12.xml><?xml version="1.0" encoding="utf-8"?>
 <p:notes xmlns:a="http://schemas.openxmlformats.org/drawingml/2006/main" xmlns:r="http://schemas.openxmlformats.org/officeDocument/2006/relationships" xmlns:p="http://schemas.openxmlformats.org/presentationml/2006/main">
   <p:cSld>
     <p:spTree>
@@ -858,68 +958,34 @@
           <a:bodyPr/>
           <a:lstStyle/>
           <a:p>
-            <a:r>
-              <a:rPr lang="en-US" dirty="0" smtClean="0"/>
-              <a:t>Music contrast </a:t>
-            </a:r>
-            <a:r>
-              <a:rPr lang="mr-IN" dirty="0" smtClean="0"/>
-              <a:t>–</a:t>
-            </a:r>
-            <a:r>
-              <a:rPr lang="en-US" dirty="0" smtClean="0"/>
-              <a:t> RED - Bilateral activation in superior temporal gyri, left middle cingulate,</a:t>
-            </a:r>
-            <a:r>
-              <a:rPr lang="en-US" baseline="0" dirty="0" smtClean="0"/>
-              <a:t> and right insula</a:t>
-            </a:r>
-          </a:p>
-          <a:p>
-            <a:r>
-              <a:rPr lang="en-US" baseline="0" dirty="0" smtClean="0"/>
-              <a:t>Verbal contrast </a:t>
-            </a:r>
-            <a:r>
-              <a:rPr lang="mr-IN" baseline="0" dirty="0" smtClean="0"/>
-              <a:t>–</a:t>
-            </a:r>
-            <a:r>
-              <a:rPr lang="en-US" baseline="0" dirty="0" smtClean="0"/>
-              <a:t> BLUE </a:t>
-            </a:r>
-            <a:r>
-              <a:rPr lang="mr-IN" baseline="0" dirty="0" smtClean="0"/>
-              <a:t>–</a:t>
-            </a:r>
-            <a:r>
-              <a:rPr lang="en-US" baseline="0" dirty="0" smtClean="0"/>
-              <a:t> left-sided activation in the inferior and middle temporal gyri, medial superior and inferior pars </a:t>
-            </a:r>
-            <a:r>
-              <a:rPr lang="en-US" baseline="0" dirty="0" err="1" smtClean="0"/>
-              <a:t>triangularis</a:t>
-            </a:r>
-            <a:r>
-              <a:rPr lang="en-US" baseline="0" dirty="0" smtClean="0"/>
-              <a:t> frontal </a:t>
-            </a:r>
-            <a:r>
-              <a:rPr lang="en-US" baseline="0" dirty="0" err="1" smtClean="0"/>
-              <a:t>gyri</a:t>
-            </a:r>
-            <a:r>
-              <a:rPr lang="en-US" baseline="0" dirty="0" smtClean="0"/>
-              <a:t>, posterior MTG, on the right </a:t>
-            </a:r>
-            <a:r>
-              <a:rPr lang="mr-IN" baseline="0" dirty="0" smtClean="0"/>
-              <a:t>–</a:t>
-            </a:r>
-            <a:r>
-              <a:rPr lang="en-US" baseline="0" dirty="0" smtClean="0"/>
-              <a:t> inferior orbitofrontal cortex, middle temporal pole and the anterior part of the hippocampus and cerebellum</a:t>
-            </a:r>
+            <a:pPr marL="0" marR="0" lvl="1" indent="0" algn="l" defTabSz="914400" rtl="0" eaLnBrk="1" fontAlgn="auto" latinLnBrk="0" hangingPunct="1">
+              <a:lnSpc>
+                <a:spcPct val="100000"/>
+              </a:lnSpc>
+              <a:spcBef>
+                <a:spcPts val="0"/>
+              </a:spcBef>
+              <a:spcAft>
+                <a:spcPts val="0"/>
+              </a:spcAft>
+              <a:buClrTx/>
+              <a:buSzTx/>
+              <a:buFontTx/>
+              <a:buNone/>
+              <a:tabLst/>
+              <a:defRPr/>
+            </a:pPr>
+            <a:r>
+              <a:rPr lang="en-US" dirty="0" smtClean="0"/>
+              <a:t>Posterior inferior temporal cortex (PITC) may be an interface between lyrics and melody to facilitate the recognition of familiar songs </a:t>
+            </a:r>
+            <a:r>
+              <a:rPr lang="en-US" sz="1400" dirty="0" smtClean="0"/>
+              <a:t>(Saito et al, 2012)</a:t>
+            </a:r>
+          </a:p>
+          <a:p>
+            <a:endParaRPr lang="en-CA" dirty="0"/>
           </a:p>
         </p:txBody>
       </p:sp>
@@ -940,7 +1006,7 @@
           <a:p>
             <a:fld id="{BA0C90E3-8C05-AF43-8579-8D2D04A296B0}" type="slidenum">
               <a:rPr lang="en-US" smtClean="0"/>
-              <a:t>5</a:t>
+              <a:t>4</a:t>
             </a:fld>
             <a:endParaRPr lang="en-US"/>
           </a:p>
@@ -949,7 +1015,7 @@
     </p:spTree>
     <p:extLst>
       <p:ext uri="{BB962C8B-B14F-4D97-AF65-F5344CB8AC3E}">
-        <p14:creationId xmlns:p14="http://schemas.microsoft.com/office/powerpoint/2010/main" val="2095785524"/>
+        <p14:creationId xmlns:p14="http://schemas.microsoft.com/office/powerpoint/2010/main" val="3530480693"/>
       </p:ext>
     </p:extLst>
   </p:cSld>
@@ -1004,52 +1070,67 @@
           <a:lstStyle/>
           <a:p>
             <a:r>
-              <a:rPr lang="en-CA" dirty="0" smtClean="0"/>
-              <a:t>“parametric </a:t>
-            </a:r>
-            <a:r>
-              <a:rPr lang="en-CA" dirty="0" err="1" smtClean="0"/>
-              <a:t>regressor</a:t>
-            </a:r>
-            <a:r>
-              <a:rPr lang="en-CA" dirty="0" smtClean="0"/>
-              <a:t> modeling familiarity was constructed,”</a:t>
-            </a:r>
-          </a:p>
-          <a:p>
-            <a:endParaRPr lang="en-CA" dirty="0" smtClean="0"/>
-          </a:p>
-          <a:p>
-            <a:r>
-              <a:rPr lang="en-CA" dirty="0" smtClean="0"/>
-              <a:t>Greater</a:t>
-            </a:r>
-            <a:r>
-              <a:rPr lang="en-CA" baseline="0" dirty="0" smtClean="0"/>
-              <a:t> activity for music i</a:t>
-            </a:r>
-            <a:r>
-              <a:rPr lang="en-CA" dirty="0" smtClean="0"/>
-              <a:t>n an extended network that included the bilateral inferior frontal gyrus (BA45) (extending to the middle frontal gyrus), the posterior part of the inferior and middle temporal gyri (BA20/37), the medial superior frontal gyrus (BA10) and the right superior temporal pole (BA38). </a:t>
-            </a:r>
-          </a:p>
-          <a:p>
-            <a:endParaRPr lang="en-CA" dirty="0" smtClean="0"/>
-          </a:p>
-          <a:p>
-            <a:r>
-              <a:rPr lang="en-CA" dirty="0" smtClean="0"/>
-              <a:t>The verbal familiarity analysis revealed greater activity in the left medial superior frontal gyrus (BA10), the middle cingulate cortex bilaterally, the left putamen and thalamus, and the inferior and middle parts of the frontal (BA47/46) and temporal gyri (BA20/21) bilaterally. We also found activation of the posterior part of the right hippocampus and the left </a:t>
-            </a:r>
-            <a:r>
-              <a:rPr lang="en-CA" dirty="0" err="1" smtClean="0"/>
-              <a:t>parahippocampal</a:t>
-            </a:r>
-            <a:r>
-              <a:rPr lang="en-CA" dirty="0" smtClean="0"/>
-              <a:t> cortex.</a:t>
-            </a:r>
-            <a:endParaRPr lang="en-CA" dirty="0"/>
+              <a:rPr lang="en-US" dirty="0" smtClean="0"/>
+              <a:t>Music contrast </a:t>
+            </a:r>
+            <a:r>
+              <a:rPr lang="mr-IN" dirty="0" smtClean="0"/>
+              <a:t>–</a:t>
+            </a:r>
+            <a:r>
+              <a:rPr lang="en-US" dirty="0" smtClean="0"/>
+              <a:t> RED - Bilateral activation in superior temporal gyri, left middle cingulate,</a:t>
+            </a:r>
+            <a:r>
+              <a:rPr lang="en-US" baseline="0" dirty="0" smtClean="0"/>
+              <a:t> and right insula</a:t>
+            </a:r>
+          </a:p>
+          <a:p>
+            <a:r>
+              <a:rPr lang="en-US" baseline="0" dirty="0" smtClean="0"/>
+              <a:t>Verbal contrast </a:t>
+            </a:r>
+            <a:r>
+              <a:rPr lang="mr-IN" baseline="0" dirty="0" smtClean="0"/>
+              <a:t>–</a:t>
+            </a:r>
+            <a:r>
+              <a:rPr lang="en-US" baseline="0" dirty="0" smtClean="0"/>
+              <a:t> BLUE </a:t>
+            </a:r>
+            <a:r>
+              <a:rPr lang="mr-IN" baseline="0" dirty="0" smtClean="0"/>
+              <a:t>–</a:t>
+            </a:r>
+            <a:r>
+              <a:rPr lang="en-US" baseline="0" dirty="0" smtClean="0"/>
+              <a:t> left-sided activation in the inferior and middle temporal gyri, medial superior and inferior pars </a:t>
+            </a:r>
+            <a:r>
+              <a:rPr lang="en-US" baseline="0" dirty="0" err="1" smtClean="0"/>
+              <a:t>triangularis</a:t>
+            </a:r>
+            <a:r>
+              <a:rPr lang="en-US" baseline="0" dirty="0" smtClean="0"/>
+              <a:t> frontal </a:t>
+            </a:r>
+            <a:r>
+              <a:rPr lang="en-US" baseline="0" dirty="0" err="1" smtClean="0"/>
+              <a:t>gyri</a:t>
+            </a:r>
+            <a:r>
+              <a:rPr lang="en-US" baseline="0" dirty="0" smtClean="0"/>
+              <a:t>, posterior MTG, on the right </a:t>
+            </a:r>
+            <a:r>
+              <a:rPr lang="mr-IN" baseline="0" dirty="0" smtClean="0"/>
+              <a:t>–</a:t>
+            </a:r>
+            <a:r>
+              <a:rPr lang="en-US" baseline="0" dirty="0" smtClean="0"/>
+              <a:t> inferior orbitofrontal cortex, middle temporal pole and the anterior part of the hippocampus and cerebellum</a:t>
+            </a:r>
           </a:p>
         </p:txBody>
       </p:sp>
@@ -1070,7 +1151,7 @@
           <a:p>
             <a:fld id="{BA0C90E3-8C05-AF43-8579-8D2D04A296B0}" type="slidenum">
               <a:rPr lang="en-US" smtClean="0"/>
-              <a:t>6</a:t>
+              <a:t>5</a:t>
             </a:fld>
             <a:endParaRPr lang="en-US"/>
           </a:p>
@@ -1079,7 +1160,7 @@
     </p:spTree>
     <p:extLst>
       <p:ext uri="{BB962C8B-B14F-4D97-AF65-F5344CB8AC3E}">
-        <p14:creationId xmlns:p14="http://schemas.microsoft.com/office/powerpoint/2010/main" val="4175881776"/>
+        <p14:creationId xmlns:p14="http://schemas.microsoft.com/office/powerpoint/2010/main" val="2095785524"/>
       </p:ext>
     </p:extLst>
   </p:cSld>
@@ -1135,23 +1216,50 @@
           <a:p>
             <a:r>
               <a:rPr lang="en-CA" dirty="0" smtClean="0"/>
-              <a:t>ISS: Abrams</a:t>
+              <a:t>“parametric </a:t>
+            </a:r>
+            <a:r>
+              <a:rPr lang="en-CA" dirty="0" err="1" smtClean="0"/>
+              <a:t>regressor</a:t>
+            </a:r>
+            <a:r>
+              <a:rPr lang="en-CA" dirty="0" smtClean="0"/>
+              <a:t> modeling familiarity was constructed,”</a:t>
+            </a:r>
+          </a:p>
+          <a:p>
+            <a:endParaRPr lang="en-CA" dirty="0" smtClean="0"/>
+          </a:p>
+          <a:p>
+            <a:r>
+              <a:rPr lang="en-CA" dirty="0" smtClean="0"/>
+              <a:t>Greater</a:t>
             </a:r>
             <a:r>
               <a:rPr lang="en-CA" baseline="0" dirty="0" smtClean="0"/>
-              <a:t> 2013</a:t>
-            </a:r>
-          </a:p>
-          <a:p>
+              <a:t> activity for music i</a:t>
+            </a:r>
             <a:r>
               <a:rPr lang="en-CA" dirty="0" smtClean="0"/>
-              <a:t>We found that music synchronizes brain responses across listeners in bilateral auditory midbrain and thalamus, primary auditory and auditory association cortex, right-lateralized structures in frontal and parietal cortex, and motor planning regions of the brain.</a:t>
+              <a:t>n an extended network that included the bilateral inferior frontal gyrus (BA45) (extending to the middle frontal gyrus), the posterior part of the inferior and middle temporal gyri (BA20/37), the medial superior frontal gyrus (BA10) and the right superior temporal pole (BA38). </a:t>
             </a:r>
           </a:p>
           <a:p>
             <a:endParaRPr lang="en-CA" dirty="0" smtClean="0"/>
           </a:p>
           <a:p>
+            <a:r>
+              <a:rPr lang="en-CA" dirty="0" smtClean="0"/>
+              <a:t>The verbal familiarity analysis revealed greater activity in the left medial superior frontal gyrus (BA10), the middle cingulate cortex bilaterally, the left putamen and thalamus, and the inferior and middle parts of the frontal (BA47/46) and temporal gyri (BA20/21) bilaterally. We also found activation of the posterior part of the right hippocampus and the left </a:t>
+            </a:r>
+            <a:r>
+              <a:rPr lang="en-CA" dirty="0" err="1" smtClean="0"/>
+              <a:t>parahippocampal</a:t>
+            </a:r>
+            <a:r>
+              <a:rPr lang="en-CA" dirty="0" smtClean="0"/>
+              <a:t> cortex.</a:t>
+            </a:r>
             <a:endParaRPr lang="en-CA" dirty="0"/>
           </a:p>
         </p:txBody>
@@ -1173,7 +1281,7 @@
           <a:p>
             <a:fld id="{BA0C90E3-8C05-AF43-8579-8D2D04A296B0}" type="slidenum">
               <a:rPr lang="en-US" smtClean="0"/>
-              <a:t>7</a:t>
+              <a:t>6</a:t>
             </a:fld>
             <a:endParaRPr lang="en-US"/>
           </a:p>
@@ -1182,7 +1290,7 @@
     </p:spTree>
     <p:extLst>
       <p:ext uri="{BB962C8B-B14F-4D97-AF65-F5344CB8AC3E}">
-        <p14:creationId xmlns:p14="http://schemas.microsoft.com/office/powerpoint/2010/main" val="2296621888"/>
+        <p14:creationId xmlns:p14="http://schemas.microsoft.com/office/powerpoint/2010/main" val="4175881776"/>
       </p:ext>
     </p:extLst>
   </p:cSld>
@@ -1236,22 +1344,26 @@
           <a:bodyPr/>
           <a:lstStyle/>
           <a:p>
-            <a:endParaRPr lang="en-CA"/>
-          </a:p>
-          <a:p>
-            <a:r>
-              <a:rPr lang="en-CA"/>
-              <a:t>----- Meeting Notes (17-05-11 10:57) -----</a:t>
-            </a:r>
-          </a:p>
-          <a:p>
-            <a:r>
-              <a:rPr lang="en-CA"/>
-              <a:t>music + lyrics association</a:t>
-            </a:r>
-          </a:p>
-          <a:p>
-            <a:endParaRPr lang="en-CA"/>
+            <a:r>
+              <a:rPr lang="en-CA" dirty="0" smtClean="0"/>
+              <a:t>ISS: Abrams</a:t>
+            </a:r>
+            <a:r>
+              <a:rPr lang="en-CA" baseline="0" dirty="0" smtClean="0"/>
+              <a:t> 2013</a:t>
+            </a:r>
+          </a:p>
+          <a:p>
+            <a:r>
+              <a:rPr lang="en-CA" dirty="0" smtClean="0"/>
+              <a:t>We found that music synchronizes brain responses across listeners in bilateral auditory midbrain and thalamus, primary auditory and auditory association cortex, right-lateralized structures in frontal and parietal cortex, and motor planning regions of the brain.</a:t>
+            </a:r>
+          </a:p>
+          <a:p>
+            <a:endParaRPr lang="en-CA" dirty="0" smtClean="0"/>
+          </a:p>
+          <a:p>
+            <a:endParaRPr lang="en-CA" dirty="0"/>
           </a:p>
         </p:txBody>
       </p:sp>
@@ -1272,7 +1384,7 @@
           <a:p>
             <a:fld id="{BA0C90E3-8C05-AF43-8579-8D2D04A296B0}" type="slidenum">
               <a:rPr lang="en-US" smtClean="0"/>
-              <a:t>14</a:t>
+              <a:t>7</a:t>
             </a:fld>
             <a:endParaRPr lang="en-US"/>
           </a:p>
@@ -1281,7 +1393,7 @@
     </p:spTree>
     <p:extLst>
       <p:ext uri="{BB962C8B-B14F-4D97-AF65-F5344CB8AC3E}">
-        <p14:creationId xmlns:p14="http://schemas.microsoft.com/office/powerpoint/2010/main" val="2220601957"/>
+        <p14:creationId xmlns:p14="http://schemas.microsoft.com/office/powerpoint/2010/main" val="2296621888"/>
       </p:ext>
     </p:extLst>
   </p:cSld>
@@ -1335,43 +1447,22 @@
           <a:bodyPr/>
           <a:lstStyle/>
           <a:p>
-            <a:r>
-              <a:rPr lang="en-CA" dirty="0" smtClean="0"/>
-              <a:t>More synchrony</a:t>
-            </a:r>
-            <a:r>
-              <a:rPr lang="en-CA" baseline="0" dirty="0" smtClean="0"/>
-              <a:t> during sung vs spoken</a:t>
-            </a:r>
-          </a:p>
-          <a:p>
-            <a:r>
-              <a:rPr lang="en-CA" baseline="0" dirty="0" smtClean="0"/>
-              <a:t>More synchrony during lyrics vs non lyrics </a:t>
-            </a:r>
-          </a:p>
-          <a:p>
-            <a:r>
-              <a:rPr lang="en-CA" baseline="0" dirty="0" smtClean="0"/>
-              <a:t>In both cases, there’s more information </a:t>
-            </a:r>
-            <a:r>
-              <a:rPr lang="mr-IN" baseline="0" dirty="0" smtClean="0"/>
-              <a:t>–</a:t>
-            </a:r>
-            <a:r>
-              <a:rPr lang="en-CA" baseline="0" dirty="0" smtClean="0"/>
-              <a:t> strong similarities during movie watching (with lyrics), also synchronization during listening of symphonies (</a:t>
-            </a:r>
-            <a:r>
-              <a:rPr lang="en-CA" baseline="0" dirty="0" err="1" smtClean="0"/>
-              <a:t>abrams</a:t>
-            </a:r>
-            <a:r>
-              <a:rPr lang="en-CA" baseline="0" dirty="0" smtClean="0"/>
-              <a:t>)</a:t>
-            </a:r>
-            <a:endParaRPr lang="en-CA" dirty="0" smtClean="0"/>
+            <a:endParaRPr lang="en-CA"/>
+          </a:p>
+          <a:p>
+            <a:r>
+              <a:rPr lang="en-CA"/>
+              <a:t>----- Meeting Notes (17-05-11 10:57) -----</a:t>
+            </a:r>
+          </a:p>
+          <a:p>
+            <a:r>
+              <a:rPr lang="en-CA"/>
+              <a:t>music + lyrics association</a:t>
+            </a:r>
+          </a:p>
+          <a:p>
+            <a:endParaRPr lang="en-CA"/>
           </a:p>
         </p:txBody>
       </p:sp>
@@ -1392,7 +1483,7 @@
           <a:p>
             <a:fld id="{BA0C90E3-8C05-AF43-8579-8D2D04A296B0}" type="slidenum">
               <a:rPr lang="en-US" smtClean="0"/>
-              <a:t>15</a:t>
+              <a:t>14</a:t>
             </a:fld>
             <a:endParaRPr lang="en-US"/>
           </a:p>
@@ -1401,7 +1492,7 @@
     </p:spTree>
     <p:extLst>
       <p:ext uri="{BB962C8B-B14F-4D97-AF65-F5344CB8AC3E}">
-        <p14:creationId xmlns:p14="http://schemas.microsoft.com/office/powerpoint/2010/main" val="3960564585"/>
+        <p14:creationId xmlns:p14="http://schemas.microsoft.com/office/powerpoint/2010/main" val="2220601957"/>
       </p:ext>
     </p:extLst>
   </p:cSld>
@@ -1456,69 +1547,42 @@
           <a:lstStyle/>
           <a:p>
             <a:r>
-              <a:rPr lang="en-US" dirty="0" smtClean="0"/>
-              <a:t>MAKE THIS BETTER</a:t>
-            </a:r>
-          </a:p>
-          <a:p>
-            <a:endParaRPr lang="en-US" dirty="0" smtClean="0"/>
-          </a:p>
-          <a:p>
-            <a:r>
-              <a:rPr lang="en-US" dirty="0" smtClean="0"/>
-              <a:t>(e.g. IFG, ITC, MTC)</a:t>
-            </a:r>
-          </a:p>
-          <a:p>
-            <a:r>
-              <a:rPr lang="en-US" dirty="0" smtClean="0"/>
-              <a:t>Language areas: left fusiform </a:t>
-            </a:r>
-            <a:r>
-              <a:rPr lang="en-US" dirty="0" err="1" smtClean="0"/>
-              <a:t>gyrus</a:t>
-            </a:r>
-            <a:r>
-              <a:rPr lang="en-US" dirty="0" smtClean="0"/>
-              <a:t>, the left inferior occipital </a:t>
-            </a:r>
-            <a:r>
-              <a:rPr lang="en-US" dirty="0" err="1" smtClean="0"/>
-              <a:t>gyrus</a:t>
-            </a:r>
-            <a:r>
-              <a:rPr lang="en-US" dirty="0" smtClean="0"/>
-              <a:t>, and the medial part of the superior frontal </a:t>
-            </a:r>
-            <a:r>
-              <a:rPr lang="en-US" dirty="0" err="1" smtClean="0"/>
-              <a:t>gyrus</a:t>
-            </a:r>
-            <a:r>
-              <a:rPr lang="en-US" dirty="0" smtClean="0"/>
-              <a:t> and cingulate </a:t>
-            </a:r>
-            <a:r>
-              <a:rPr lang="en-US" dirty="0" err="1" smtClean="0"/>
-              <a:t>gyrus</a:t>
-            </a:r>
-            <a:r>
-              <a:rPr lang="en-US" dirty="0" smtClean="0"/>
-              <a:t>.</a:t>
-            </a:r>
-          </a:p>
-          <a:p>
-            <a:r>
-              <a:rPr lang="en-US" dirty="0" smtClean="0"/>
-              <a:t>Left fusiform – auditory and visual word</a:t>
-            </a:r>
-            <a:r>
-              <a:rPr lang="en-US" baseline="0" dirty="0" smtClean="0"/>
-              <a:t> processing </a:t>
-            </a:r>
-          </a:p>
-          <a:p>
-            <a:endParaRPr lang="en-CA" dirty="0"/>
+              <a:rPr lang="en-CA" dirty="0" smtClean="0"/>
+              <a:t>More synchrony</a:t>
+            </a:r>
+            <a:r>
+              <a:rPr lang="en-CA" baseline="0" dirty="0" smtClean="0"/>
+              <a:t> during sung vs spoken</a:t>
+            </a:r>
+          </a:p>
+          <a:p>
+            <a:r>
+              <a:rPr lang="en-CA" baseline="0" dirty="0" smtClean="0"/>
+              <a:t>More synchrony during lyrics vs non lyrics </a:t>
+            </a:r>
+          </a:p>
+          <a:p>
+            <a:r>
+              <a:rPr lang="en-CA" baseline="0" dirty="0" smtClean="0"/>
+              <a:t>In both cases, there’s more information </a:t>
+            </a:r>
+            <a:r>
+              <a:rPr lang="mr-IN" baseline="0" dirty="0" smtClean="0"/>
+              <a:t>–</a:t>
+            </a:r>
+            <a:r>
+              <a:rPr lang="en-CA" baseline="0" dirty="0" smtClean="0"/>
+              <a:t> strong similarities during movie watching (with lyrics), also synchronization during listening of symphonies (</a:t>
+            </a:r>
+            <a:r>
+              <a:rPr lang="en-CA" baseline="0" dirty="0" err="1" smtClean="0"/>
+              <a:t>abrams</a:t>
+            </a:r>
+            <a:r>
+              <a:rPr lang="en-CA" baseline="0" dirty="0" smtClean="0"/>
+              <a:t>)</a:t>
+            </a:r>
+            <a:endParaRPr lang="en-CA" dirty="0" smtClean="0"/>
           </a:p>
         </p:txBody>
       </p:sp>
@@ -1539,7 +1603,7 @@
           <a:p>
             <a:fld id="{BA0C90E3-8C05-AF43-8579-8D2D04A296B0}" type="slidenum">
               <a:rPr lang="en-US" smtClean="0"/>
-              <a:t>17</a:t>
+              <a:t>15</a:t>
             </a:fld>
             <a:endParaRPr lang="en-US"/>
           </a:p>
@@ -1548,7 +1612,7 @@
     </p:spTree>
     <p:extLst>
       <p:ext uri="{BB962C8B-B14F-4D97-AF65-F5344CB8AC3E}">
-        <p14:creationId xmlns:p14="http://schemas.microsoft.com/office/powerpoint/2010/main" val="3293232265"/>
+        <p14:creationId xmlns:p14="http://schemas.microsoft.com/office/powerpoint/2010/main" val="3960564585"/>
       </p:ext>
     </p:extLst>
   </p:cSld>
@@ -1603,13 +1667,68 @@
           <a:lstStyle/>
           <a:p>
             <a:r>
-              <a:rPr lang="en-CA" dirty="0" smtClean="0"/>
-              <a:t>WHAT DO</a:t>
-            </a:r>
-            <a:r>
-              <a:rPr lang="en-CA" baseline="0" dirty="0" smtClean="0"/>
-              <a:t> I EXPECT TO FIND?</a:t>
-            </a:r>
+              <a:rPr lang="en-US" dirty="0" smtClean="0"/>
+              <a:t>MAKE THIS BETTER</a:t>
+            </a:r>
+          </a:p>
+          <a:p>
+            <a:endParaRPr lang="en-US" dirty="0" smtClean="0"/>
+          </a:p>
+          <a:p>
+            <a:r>
+              <a:rPr lang="en-US" dirty="0" smtClean="0"/>
+              <a:t>(e.g. IFG, ITC, MTC)</a:t>
+            </a:r>
+          </a:p>
+          <a:p>
+            <a:r>
+              <a:rPr lang="en-US" dirty="0" smtClean="0"/>
+              <a:t>Language areas: left fusiform </a:t>
+            </a:r>
+            <a:r>
+              <a:rPr lang="en-US" dirty="0" err="1" smtClean="0"/>
+              <a:t>gyrus</a:t>
+            </a:r>
+            <a:r>
+              <a:rPr lang="en-US" dirty="0" smtClean="0"/>
+              <a:t>, the left inferior occipital </a:t>
+            </a:r>
+            <a:r>
+              <a:rPr lang="en-US" dirty="0" err="1" smtClean="0"/>
+              <a:t>gyrus</a:t>
+            </a:r>
+            <a:r>
+              <a:rPr lang="en-US" dirty="0" smtClean="0"/>
+              <a:t>, and the medial part of the superior frontal </a:t>
+            </a:r>
+            <a:r>
+              <a:rPr lang="en-US" dirty="0" err="1" smtClean="0"/>
+              <a:t>gyrus</a:t>
+            </a:r>
+            <a:r>
+              <a:rPr lang="en-US" dirty="0" smtClean="0"/>
+              <a:t> and cingulate </a:t>
+            </a:r>
+            <a:r>
+              <a:rPr lang="en-US" dirty="0" err="1" smtClean="0"/>
+              <a:t>gyrus</a:t>
+            </a:r>
+            <a:r>
+              <a:rPr lang="en-US" dirty="0" smtClean="0"/>
+              <a:t>.</a:t>
+            </a:r>
+          </a:p>
+          <a:p>
+            <a:r>
+              <a:rPr lang="en-US" dirty="0" smtClean="0"/>
+              <a:t>Left fusiform – auditory and visual word</a:t>
+            </a:r>
+            <a:r>
+              <a:rPr lang="en-US" baseline="0" dirty="0" smtClean="0"/>
+              <a:t> processing </a:t>
+            </a:r>
+          </a:p>
+          <a:p>
             <a:endParaRPr lang="en-CA" dirty="0"/>
           </a:p>
         </p:txBody>
@@ -1631,7 +1750,7 @@
           <a:p>
             <a:fld id="{BA0C90E3-8C05-AF43-8579-8D2D04A296B0}" type="slidenum">
               <a:rPr lang="en-US" smtClean="0"/>
-              <a:t>19</a:t>
+              <a:t>17</a:t>
             </a:fld>
             <a:endParaRPr lang="en-US"/>
           </a:p>
@@ -1640,7 +1759,7 @@
     </p:spTree>
     <p:extLst>
       <p:ext uri="{BB962C8B-B14F-4D97-AF65-F5344CB8AC3E}">
-        <p14:creationId xmlns:p14="http://schemas.microsoft.com/office/powerpoint/2010/main" val="3815310445"/>
+        <p14:creationId xmlns:p14="http://schemas.microsoft.com/office/powerpoint/2010/main" val="3293232265"/>
       </p:ext>
     </p:extLst>
   </p:cSld>
@@ -1695,22 +1814,14 @@
           <a:lstStyle/>
           <a:p>
             <a:r>
-              <a:rPr lang="en-US" dirty="0" smtClean="0"/>
-              <a:t>Familiar music,</a:t>
-            </a:r>
-            <a:r>
-              <a:rPr lang="en-US" baseline="0" dirty="0" smtClean="0"/>
-              <a:t> emotionally charge music, music that is relevant to the participant </a:t>
-            </a:r>
-            <a:r>
-              <a:rPr lang="mr-IN" baseline="0" dirty="0" smtClean="0"/>
-              <a:t>–</a:t>
-            </a:r>
-            <a:r>
-              <a:rPr lang="en-US" baseline="0" dirty="0" smtClean="0"/>
-              <a:t> may produce stronger activation </a:t>
-            </a:r>
-            <a:endParaRPr lang="en-US" dirty="0"/>
+              <a:rPr lang="en-CA" dirty="0" smtClean="0"/>
+              <a:t>WHAT DO</a:t>
+            </a:r>
+            <a:r>
+              <a:rPr lang="en-CA" baseline="0" dirty="0" smtClean="0"/>
+              <a:t> I EXPECT TO FIND?</a:t>
+            </a:r>
+            <a:endParaRPr lang="en-CA" dirty="0"/>
           </a:p>
         </p:txBody>
       </p:sp>
@@ -1731,7 +1842,7 @@
           <a:p>
             <a:fld id="{BA0C90E3-8C05-AF43-8579-8D2D04A296B0}" type="slidenum">
               <a:rPr lang="en-US" smtClean="0"/>
-              <a:t>21</a:t>
+              <a:t>19</a:t>
             </a:fld>
             <a:endParaRPr lang="en-US"/>
           </a:p>
@@ -1740,7 +1851,7 @@
     </p:spTree>
     <p:extLst>
       <p:ext uri="{BB962C8B-B14F-4D97-AF65-F5344CB8AC3E}">
-        <p14:creationId xmlns:p14="http://schemas.microsoft.com/office/powerpoint/2010/main" val="262777634"/>
+        <p14:creationId xmlns:p14="http://schemas.microsoft.com/office/powerpoint/2010/main" val="3815310445"/>
       </p:ext>
     </p:extLst>
   </p:cSld>
@@ -1881,7 +1992,7 @@
           <a:p>
             <a:fld id="{6C076DC0-26B1-5841-8BF7-BB7DFB8B1BE2}" type="datetimeFigureOut">
               <a:rPr lang="en-US" smtClean="0"/>
-              <a:t>6/20/17</a:t>
+              <a:t>17-06-21</a:t>
             </a:fld>
             <a:endParaRPr lang="en-US"/>
           </a:p>
@@ -2046,7 +2157,7 @@
           <a:p>
             <a:fld id="{6C076DC0-26B1-5841-8BF7-BB7DFB8B1BE2}" type="datetimeFigureOut">
               <a:rPr lang="en-US" smtClean="0"/>
-              <a:t>6/20/17</a:t>
+              <a:t>17-06-21</a:t>
             </a:fld>
             <a:endParaRPr lang="en-US"/>
           </a:p>
@@ -2221,7 +2332,7 @@
           <a:p>
             <a:fld id="{6C076DC0-26B1-5841-8BF7-BB7DFB8B1BE2}" type="datetimeFigureOut">
               <a:rPr lang="en-US" smtClean="0"/>
-              <a:t>6/20/17</a:t>
+              <a:t>17-06-21</a:t>
             </a:fld>
             <a:endParaRPr lang="en-US"/>
           </a:p>
@@ -2386,7 +2497,7 @@
           <a:p>
             <a:fld id="{6C076DC0-26B1-5841-8BF7-BB7DFB8B1BE2}" type="datetimeFigureOut">
               <a:rPr lang="en-US" smtClean="0"/>
-              <a:t>6/20/17</a:t>
+              <a:t>17-06-21</a:t>
             </a:fld>
             <a:endParaRPr lang="en-US"/>
           </a:p>
@@ -2625,7 +2736,7 @@
           <a:p>
             <a:fld id="{6C076DC0-26B1-5841-8BF7-BB7DFB8B1BE2}" type="datetimeFigureOut">
               <a:rPr lang="en-US" smtClean="0"/>
-              <a:t>6/20/17</a:t>
+              <a:t>17-06-21</a:t>
             </a:fld>
             <a:endParaRPr lang="en-US"/>
           </a:p>
@@ -2852,7 +2963,7 @@
           <a:p>
             <a:fld id="{6C076DC0-26B1-5841-8BF7-BB7DFB8B1BE2}" type="datetimeFigureOut">
               <a:rPr lang="en-US" smtClean="0"/>
-              <a:t>6/20/17</a:t>
+              <a:t>17-06-21</a:t>
             </a:fld>
             <a:endParaRPr lang="en-US"/>
           </a:p>
@@ -3214,7 +3325,7 @@
           <a:p>
             <a:fld id="{6C076DC0-26B1-5841-8BF7-BB7DFB8B1BE2}" type="datetimeFigureOut">
               <a:rPr lang="en-US" smtClean="0"/>
-              <a:t>6/20/17</a:t>
+              <a:t>17-06-21</a:t>
             </a:fld>
             <a:endParaRPr lang="en-US"/>
           </a:p>
@@ -3327,7 +3438,7 @@
           <a:p>
             <a:fld id="{6C076DC0-26B1-5841-8BF7-BB7DFB8B1BE2}" type="datetimeFigureOut">
               <a:rPr lang="en-US" smtClean="0"/>
-              <a:t>6/20/17</a:t>
+              <a:t>17-06-21</a:t>
             </a:fld>
             <a:endParaRPr lang="en-US"/>
           </a:p>
@@ -3417,7 +3528,7 @@
           <a:p>
             <a:fld id="{6C076DC0-26B1-5841-8BF7-BB7DFB8B1BE2}" type="datetimeFigureOut">
               <a:rPr lang="en-US" smtClean="0"/>
-              <a:t>6/20/17</a:t>
+              <a:t>17-06-21</a:t>
             </a:fld>
             <a:endParaRPr lang="en-US"/>
           </a:p>
@@ -3689,7 +3800,7 @@
           <a:p>
             <a:fld id="{6C076DC0-26B1-5841-8BF7-BB7DFB8B1BE2}" type="datetimeFigureOut">
               <a:rPr lang="en-US" smtClean="0"/>
-              <a:t>6/20/17</a:t>
+              <a:t>17-06-21</a:t>
             </a:fld>
             <a:endParaRPr lang="en-US"/>
           </a:p>
@@ -3941,7 +4052,7 @@
           <a:p>
             <a:fld id="{6C076DC0-26B1-5841-8BF7-BB7DFB8B1BE2}" type="datetimeFigureOut">
               <a:rPr lang="en-US" smtClean="0"/>
-              <a:t>6/20/17</a:t>
+              <a:t>17-06-21</a:t>
             </a:fld>
             <a:endParaRPr lang="en-US"/>
           </a:p>
@@ -4149,7 +4260,7 @@
           <a:p>
             <a:fld id="{6C076DC0-26B1-5841-8BF7-BB7DFB8B1BE2}" type="datetimeFigureOut">
               <a:rPr lang="en-US" smtClean="0"/>
-              <a:t>6/20/17</a:t>
+              <a:t>17-06-21</a:t>
             </a:fld>
             <a:endParaRPr lang="en-US"/>
           </a:p>
@@ -4571,11 +4682,7 @@
           <a:p>
             <a:r>
               <a:rPr lang="en-US" dirty="0" smtClean="0"/>
-              <a:t>Neural correlates of </a:t>
-            </a:r>
-            <a:r>
-              <a:rPr lang="en-US" dirty="0" smtClean="0"/>
-              <a:t>musical memory</a:t>
+              <a:t>Neural correlates of musical memory</a:t>
             </a:r>
             <a:endParaRPr lang="en-US" dirty="0"/>
           </a:p>
@@ -4629,7 +4736,7 @@
   <p:timing>
     <p:tnLst>
       <p:par>
-        <p:cTn id="1" dur="indefinite" restart="never" nodeType="tmRoot"/>
+        <p:cTn xmlns:p14="http://schemas.microsoft.com/office/powerpoint/2010/main" id="1" dur="indefinite" restart="never" nodeType="tmRoot"/>
       </p:par>
     </p:tnLst>
   </p:timing>
@@ -4743,7 +4850,7 @@
   <p:timing>
     <p:tnLst>
       <p:par>
-        <p:cTn id="1" dur="indefinite" restart="never" nodeType="tmRoot"/>
+        <p:cTn xmlns:p14="http://schemas.microsoft.com/office/powerpoint/2010/main" id="1" dur="indefinite" restart="never" nodeType="tmRoot"/>
       </p:par>
     </p:tnLst>
   </p:timing>
@@ -4910,7 +5017,7 @@
   <p:timing>
     <p:tnLst>
       <p:par>
-        <p:cTn id="1" dur="indefinite" restart="never" nodeType="tmRoot"/>
+        <p:cTn xmlns:p14="http://schemas.microsoft.com/office/powerpoint/2010/main" id="1" dur="indefinite" restart="never" nodeType="tmRoot"/>
       </p:par>
     </p:tnLst>
   </p:timing>
@@ -5071,7 +5178,7 @@
   <p:timing>
     <p:tnLst>
       <p:par>
-        <p:cTn id="1" dur="indefinite" restart="never" nodeType="tmRoot"/>
+        <p:cTn xmlns:p14="http://schemas.microsoft.com/office/powerpoint/2010/main" id="1" dur="indefinite" restart="never" nodeType="tmRoot"/>
       </p:par>
     </p:tnLst>
   </p:timing>
@@ -5242,7 +5349,7 @@
   <p:timing>
     <p:tnLst>
       <p:par>
-        <p:cTn id="1" dur="indefinite" restart="never" nodeType="tmRoot"/>
+        <p:cTn xmlns:p14="http://schemas.microsoft.com/office/powerpoint/2010/main" id="1" dur="indefinite" restart="never" nodeType="tmRoot"/>
       </p:par>
     </p:tnLst>
   </p:timing>
@@ -5332,15 +5439,7 @@
             <a:pPr lvl="1"/>
             <a:r>
               <a:rPr lang="en-US" dirty="0" smtClean="0"/>
-              <a:t>Subset during lab training session </a:t>
-            </a:r>
-            <a:r>
-              <a:rPr lang="en-US" dirty="0" smtClean="0"/>
-              <a:t>(10</a:t>
-            </a:r>
-            <a:r>
-              <a:rPr lang="en-US" dirty="0" smtClean="0"/>
-              <a:t>, monitor progress)</a:t>
+              <a:t>Subset during lab training session (10, monitor progress)</a:t>
             </a:r>
           </a:p>
           <a:p>
@@ -5382,11 +5481,7 @@
             <a:pPr lvl="1"/>
             <a:r>
               <a:rPr lang="en-US" dirty="0" smtClean="0"/>
-              <a:t>During </a:t>
-            </a:r>
-            <a:r>
-              <a:rPr lang="en-US" dirty="0" smtClean="0"/>
-              <a:t>session 2 (~25 clip pairs)</a:t>
+              <a:t>During session 2 (~25 clip pairs)</a:t>
             </a:r>
           </a:p>
         </p:txBody>
@@ -5404,7 +5499,7 @@
   <p:timing>
     <p:tnLst>
       <p:par>
-        <p:cTn id="1" dur="indefinite" restart="never" nodeType="tmRoot">
+        <p:cTn xmlns:p14="http://schemas.microsoft.com/office/powerpoint/2010/main" id="1" dur="indefinite" restart="never" nodeType="tmRoot">
           <p:childTnLst>
             <p:seq concurrent="1" nextAc="seek">
               <p:cTn id="2" dur="indefinite" nodeType="mainSeq">
@@ -5659,11 +5754,7 @@
           <a:p>
             <a:r>
               <a:rPr lang="en-US" dirty="0" smtClean="0"/>
-              <a:t>Compare total ISS between stimuli </a:t>
-            </a:r>
-            <a:r>
-              <a:rPr lang="en-US" dirty="0" smtClean="0"/>
-              <a:t>types</a:t>
+              <a:t>Compare total ISS between stimuli types</a:t>
             </a:r>
           </a:p>
           <a:p>
@@ -5679,7 +5770,6 @@
               <a:rPr lang="en-US" dirty="0" smtClean="0"/>
               <a:t>Spoken vs sung</a:t>
             </a:r>
-            <a:endParaRPr lang="en-US" dirty="0" smtClean="0"/>
           </a:p>
           <a:p>
             <a:pPr lvl="1"/>
@@ -5704,7 +5794,7 @@
   <p:timing>
     <p:tnLst>
       <p:par>
-        <p:cTn id="1" dur="indefinite" restart="never" nodeType="tmRoot"/>
+        <p:cTn xmlns:p14="http://schemas.microsoft.com/office/powerpoint/2010/main" id="1" dur="indefinite" restart="never" nodeType="tmRoot"/>
       </p:par>
     </p:tnLst>
   </p:timing>
@@ -5849,7 +5939,7 @@
   <p:timing>
     <p:tnLst>
       <p:par>
-        <p:cTn id="1" dur="indefinite" restart="never" nodeType="tmRoot"/>
+        <p:cTn xmlns:p14="http://schemas.microsoft.com/office/powerpoint/2010/main" id="1" dur="indefinite" restart="never" nodeType="tmRoot"/>
       </p:par>
     </p:tnLst>
   </p:timing>
@@ -5934,11 +6024,7 @@
             <a:pPr lvl="1"/>
             <a:r>
               <a:rPr lang="en-US" dirty="0" smtClean="0"/>
-              <a:t>More BOLD activation than unfamiliar </a:t>
-            </a:r>
-            <a:r>
-              <a:rPr lang="en-US" dirty="0" smtClean="0"/>
-              <a:t>songs </a:t>
+              <a:t>More BOLD activation than unfamiliar songs </a:t>
             </a:r>
             <a:r>
               <a:rPr lang="mr-IN" dirty="0" smtClean="0"/>
@@ -6048,11 +6134,7 @@
             </a:r>
             <a:r>
               <a:rPr lang="en-US" sz="1500" dirty="0" smtClean="0"/>
-              <a:t>(Satoh </a:t>
-            </a:r>
-            <a:r>
-              <a:rPr lang="en-US" sz="1500" dirty="0" smtClean="0"/>
-              <a:t>et al, 2006)</a:t>
+              <a:t>(Satoh et al, 2006)</a:t>
             </a:r>
           </a:p>
           <a:p>
@@ -6130,7 +6212,7 @@
   <p:timing>
     <p:tnLst>
       <p:par>
-        <p:cTn id="1" dur="indefinite" restart="never" nodeType="tmRoot"/>
+        <p:cTn xmlns:p14="http://schemas.microsoft.com/office/powerpoint/2010/main" id="1" dur="indefinite" restart="never" nodeType="tmRoot"/>
       </p:par>
     </p:tnLst>
   </p:timing>
@@ -6231,7 +6313,7 @@
   <p:timing>
     <p:tnLst>
       <p:par>
-        <p:cTn id="1" dur="indefinite" restart="never" nodeType="tmRoot"/>
+        <p:cTn xmlns:p14="http://schemas.microsoft.com/office/powerpoint/2010/main" id="1" dur="indefinite" restart="never" nodeType="tmRoot"/>
       </p:par>
     </p:tnLst>
   </p:timing>
@@ -6332,7 +6414,7 @@
   <p:timing>
     <p:tnLst>
       <p:par>
-        <p:cTn id="1" dur="indefinite" restart="never" nodeType="tmRoot">
+        <p:cTn xmlns:p14="http://schemas.microsoft.com/office/powerpoint/2010/main" id="1" dur="indefinite" restart="never" nodeType="tmRoot">
           <p:childTnLst>
             <p:seq concurrent="1" nextAc="seek">
               <p:cTn id="2" dur="indefinite" nodeType="mainSeq">
@@ -6577,7 +6659,7 @@
   <p:timing>
     <p:tnLst>
       <p:par>
-        <p:cTn id="1" dur="indefinite" restart="never" nodeType="tmRoot">
+        <p:cTn xmlns:p14="http://schemas.microsoft.com/office/powerpoint/2010/main" id="1" dur="indefinite" restart="never" nodeType="tmRoot">
           <p:childTnLst>
             <p:seq concurrent="1" nextAc="seek">
               <p:cTn id="2" dur="indefinite" nodeType="mainSeq">
@@ -6734,7 +6816,7 @@
   <p:timing>
     <p:tnLst>
       <p:par>
-        <p:cTn id="1" dur="indefinite" restart="never" nodeType="tmRoot">
+        <p:cTn xmlns:p14="http://schemas.microsoft.com/office/powerpoint/2010/main" id="1" dur="indefinite" restart="never" nodeType="tmRoot">
           <p:childTnLst>
             <p:seq concurrent="1" nextAc="seek">
               <p:cTn id="2" dur="indefinite" nodeType="mainSeq">
@@ -6902,7 +6984,7 @@
   <p:timing>
     <p:tnLst>
       <p:par>
-        <p:cTn id="1" dur="indefinite" restart="never" nodeType="tmRoot"/>
+        <p:cTn xmlns:p14="http://schemas.microsoft.com/office/powerpoint/2010/main" id="1" dur="indefinite" restart="never" nodeType="tmRoot"/>
       </p:par>
     </p:tnLst>
   </p:timing>
@@ -6983,7 +7065,7 @@
   <p:timing>
     <p:tnLst>
       <p:par>
-        <p:cTn id="1" dur="indefinite" restart="never" nodeType="tmRoot"/>
+        <p:cTn xmlns:p14="http://schemas.microsoft.com/office/powerpoint/2010/main" id="1" dur="indefinite" restart="never" nodeType="tmRoot"/>
       </p:par>
     </p:tnLst>
   </p:timing>
@@ -7095,7 +7177,7 @@
   <p:timing>
     <p:tnLst>
       <p:par>
-        <p:cTn id="1" dur="indefinite" restart="never" nodeType="tmRoot"/>
+        <p:cTn xmlns:p14="http://schemas.microsoft.com/office/powerpoint/2010/main" id="1" dur="indefinite" restart="never" nodeType="tmRoot"/>
       </p:par>
     </p:tnLst>
   </p:timing>
@@ -7192,7 +7274,7 @@
   <p:timing>
     <p:tnLst>
       <p:par>
-        <p:cTn id="1" dur="indefinite" restart="never" nodeType="tmRoot"/>
+        <p:cTn xmlns:p14="http://schemas.microsoft.com/office/powerpoint/2010/main" id="1" dur="indefinite" restart="never" nodeType="tmRoot"/>
       </p:par>
     </p:tnLst>
   </p:timing>
@@ -7291,13 +7373,13 @@
       <p:transition spd="slow" p14:dur="2000"/>
     </mc:Choice>
     <mc:Fallback>
-      <p:transition spd="slow"/>
+      <p:transition xmlns:p14="http://schemas.microsoft.com/office/powerpoint/2010/main" spd="slow"/>
     </mc:Fallback>
   </mc:AlternateContent>
   <p:timing>
     <p:tnLst>
       <p:par>
-        <p:cTn id="1" dur="indefinite" restart="never" nodeType="tmRoot"/>
+        <p:cTn xmlns:p14="http://schemas.microsoft.com/office/powerpoint/2010/main" id="1" dur="indefinite" restart="never" nodeType="tmRoot"/>
       </p:par>
     </p:tnLst>
   </p:timing>
@@ -7390,7 +7472,7 @@
   <p:timing>
     <p:tnLst>
       <p:par>
-        <p:cTn id="1" dur="indefinite" restart="never" nodeType="tmRoot"/>
+        <p:cTn xmlns:p14="http://schemas.microsoft.com/office/powerpoint/2010/main" id="1" dur="indefinite" restart="never" nodeType="tmRoot"/>
       </p:par>
     </p:tnLst>
   </p:timing>
@@ -7469,7 +7551,7 @@
   <p:timing>
     <p:tnLst>
       <p:par>
-        <p:cTn id="1" dur="indefinite" restart="never" nodeType="tmRoot"/>
+        <p:cTn xmlns:p14="http://schemas.microsoft.com/office/powerpoint/2010/main" id="1" dur="indefinite" restart="never" nodeType="tmRoot"/>
       </p:par>
     </p:tnLst>
   </p:timing>
@@ -7620,7 +7702,7 @@
   <p:timing>
     <p:tnLst>
       <p:par>
-        <p:cTn id="1" dur="indefinite" restart="never" nodeType="tmRoot"/>
+        <p:cTn xmlns:p14="http://schemas.microsoft.com/office/powerpoint/2010/main" id="1" dur="indefinite" restart="never" nodeType="tmRoot"/>
       </p:par>
     </p:tnLst>
   </p:timing>
@@ -7657,7 +7739,7 @@
         <p:spPr/>
         <p:txBody>
           <a:bodyPr>
-            <a:normAutofit fontScale="90000"/>
+            <a:normAutofit/>
           </a:bodyPr>
           <a:lstStyle/>
           <a:p>
@@ -7770,7 +7852,7 @@
   <p:timing>
     <p:tnLst>
       <p:par>
-        <p:cTn id="1" dur="indefinite" restart="never" nodeType="tmRoot">
+        <p:cTn xmlns:p14="http://schemas.microsoft.com/office/powerpoint/2010/main" id="1" dur="indefinite" restart="never" nodeType="tmRoot">
           <p:childTnLst>
             <p:seq concurrent="1" nextAc="seek">
               <p:cTn id="2" dur="indefinite" nodeType="mainSeq">
@@ -8104,19 +8186,13 @@
           <a:p>
             <a:r>
               <a:rPr lang="en-US" dirty="0" smtClean="0"/>
-              <a:t>The musical lexicon is separate from the verbal lexicon</a:t>
-            </a:r>
-          </a:p>
-          <a:p>
-            <a:pPr lvl="1"/>
-            <a:r>
-              <a:rPr lang="en-US" dirty="0" smtClean="0"/>
-              <a:t>Posterior inferior temporal cortex (PITC) may be an interface between lyrics and melody to facilitate the recognition of familiar songs </a:t>
-            </a:r>
-            <a:r>
-              <a:rPr lang="en-US" sz="1400" dirty="0" smtClean="0"/>
-              <a:t>(Saito et al, 2012)</a:t>
-            </a:r>
+              <a:t>The musical lexicon is separate from the verbal </a:t>
+            </a:r>
+            <a:r>
+              <a:rPr lang="en-US" dirty="0" smtClean="0"/>
+              <a:t>lexicon</a:t>
+            </a:r>
+            <a:endParaRPr lang="en-US" dirty="0" smtClean="0"/>
           </a:p>
         </p:txBody>
       </p:sp>
@@ -8133,7 +8209,7 @@
   <p:timing>
     <p:tnLst>
       <p:par>
-        <p:cTn id="1" dur="indefinite" restart="never" nodeType="tmRoot"/>
+        <p:cTn xmlns:p14="http://schemas.microsoft.com/office/powerpoint/2010/main" id="1" dur="indefinite" restart="never" nodeType="tmRoot"/>
       </p:par>
     </p:tnLst>
   </p:timing>
@@ -8280,7 +8356,7 @@
   <p:timing>
     <p:tnLst>
       <p:par>
-        <p:cTn id="1" dur="indefinite" restart="never" nodeType="tmRoot"/>
+        <p:cTn xmlns:p14="http://schemas.microsoft.com/office/powerpoint/2010/main" id="1" dur="indefinite" restart="never" nodeType="tmRoot"/>
       </p:par>
     </p:tnLst>
   </p:timing>
@@ -8401,7 +8477,7 @@
   <p:timing>
     <p:tnLst>
       <p:par>
-        <p:cTn id="1" dur="indefinite" restart="never" nodeType="tmRoot"/>
+        <p:cTn xmlns:p14="http://schemas.microsoft.com/office/powerpoint/2010/main" id="1" dur="indefinite" restart="never" nodeType="tmRoot"/>
       </p:par>
     </p:tnLst>
   </p:timing>
@@ -8480,17 +8556,12 @@
               <a:rPr lang="en-US" dirty="0" smtClean="0"/>
               <a:t>contrasts</a:t>
             </a:r>
-            <a:endParaRPr lang="en-US" dirty="0" smtClean="0"/>
           </a:p>
           <a:p>
             <a:pPr lvl="1"/>
             <a:r>
               <a:rPr lang="en-US" dirty="0" smtClean="0"/>
-              <a:t>Inter-subject </a:t>
-            </a:r>
-            <a:r>
-              <a:rPr lang="en-US" dirty="0" smtClean="0"/>
-              <a:t>synchronization (ISS)</a:t>
+              <a:t>Inter-subject synchronization (ISS)</a:t>
             </a:r>
           </a:p>
           <a:p>
@@ -8560,7 +8631,7 @@
   <p:timing>
     <p:tnLst>
       <p:par>
-        <p:cTn id="1" dur="indefinite" restart="never" nodeType="tmRoot">
+        <p:cTn xmlns:p14="http://schemas.microsoft.com/office/powerpoint/2010/main" id="1" dur="indefinite" restart="never" nodeType="tmRoot">
           <p:childTnLst>
             <p:seq concurrent="1" nextAc="seek">
               <p:cTn id="2" dur="indefinite" nodeType="mainSeq">
@@ -8850,7 +8921,7 @@
   <p:timing>
     <p:tnLst>
       <p:par>
-        <p:cTn id="1" dur="indefinite" restart="never" nodeType="tmRoot"/>
+        <p:cTn xmlns:p14="http://schemas.microsoft.com/office/powerpoint/2010/main" id="1" dur="indefinite" restart="never" nodeType="tmRoot"/>
       </p:par>
     </p:tnLst>
   </p:timing>
@@ -8954,7 +9025,7 @@
   <p:timing>
     <p:tnLst>
       <p:par>
-        <p:cTn id="1" dur="indefinite" restart="never" nodeType="tmRoot"/>
+        <p:cTn xmlns:p14="http://schemas.microsoft.com/office/powerpoint/2010/main" id="1" dur="indefinite" restart="never" nodeType="tmRoot"/>
       </p:par>
     </p:tnLst>
   </p:timing>
@@ -9216,7 +9287,7 @@
   <a:extraClrSchemeLst/>
   <a:extLst>
     <a:ext uri="{05A4C25C-085E-4340-85A3-A5531E510DB2}">
-      <thm15:themeFamily xmlns:thm15="http://schemas.microsoft.com/office/thememl/2012/main" name="Office Theme" id="{62F939B6-93AF-4DB8-9C6B-D6C7DFDC589F}" vid="{4A3C46E8-61CC-4603-A589-7422A47A8E4A}"/>
+      <thm15:themeFamily xmlns="" xmlns:thm15="http://schemas.microsoft.com/office/thememl/2012/main" name="Office Theme" id="{62F939B6-93AF-4DB8-9C6B-D6C7DFDC589F}" vid="{4A3C46E8-61CC-4603-A589-7422A47A8E4A}"/>
     </a:ext>
   </a:extLst>
 </a:theme>
@@ -9477,7 +9548,7 @@
   <a:extraClrSchemeLst/>
   <a:extLst>
     <a:ext uri="{05A4C25C-085E-4340-85A3-A5531E510DB2}">
-      <thm15:themeFamily xmlns:thm15="http://schemas.microsoft.com/office/thememl/2012/main" name="Office Theme" id="{62F939B6-93AF-4DB8-9C6B-D6C7DFDC589F}" vid="{4A3C46E8-61CC-4603-A589-7422A47A8E4A}"/>
+      <thm15:themeFamily xmlns="" xmlns:thm15="http://schemas.microsoft.com/office/thememl/2012/main" name="Office Theme" id="{62F939B6-93AF-4DB8-9C6B-D6C7DFDC589F}" vid="{4A3C46E8-61CC-4603-A589-7422A47A8E4A}"/>
     </a:ext>
   </a:extLst>
 </a:theme>
